--- a/slides/Dia 3 - NextJS.pptx
+++ b/slides/Dia 3 - NextJS.pptx
@@ -3673,7 +3673,7 @@
           <a:p>
             <a:fld id="{08B4E44B-C3C0-4A78-BB99-E15763C34800}" type="datetimeFigureOut">
               <a:rPr lang="pt-BR" smtClean="0"/>
-              <a:t>12/01/2023</a:t>
+              <a:t>17/01/2023</a:t>
             </a:fld>
             <a:endParaRPr lang="pt-BR"/>
           </a:p>
@@ -6110,7 +6110,7 @@
           <a:p>
             <a:fld id="{2E700DB3-DBF0-4086-B675-117E7A9610B8}" type="datetimeFigureOut">
               <a:rPr lang="pt-BR" smtClean="0"/>
-              <a:t>12/01/2023</a:t>
+              <a:t>17/01/2023</a:t>
             </a:fld>
             <a:endParaRPr lang="pt-BR"/>
           </a:p>
@@ -6293,7 +6293,7 @@
           <a:p>
             <a:fld id="{2E700DB3-DBF0-4086-B675-117E7A9610B8}" type="datetimeFigureOut">
               <a:rPr lang="pt-BR" smtClean="0"/>
-              <a:t>12/01/2023</a:t>
+              <a:t>17/01/2023</a:t>
             </a:fld>
             <a:endParaRPr lang="pt-BR"/>
           </a:p>
@@ -6468,7 +6468,7 @@
           <a:p>
             <a:fld id="{2E700DB3-DBF0-4086-B675-117E7A9610B8}" type="datetimeFigureOut">
               <a:rPr lang="pt-BR" smtClean="0"/>
-              <a:t>12/01/2023</a:t>
+              <a:t>17/01/2023</a:t>
             </a:fld>
             <a:endParaRPr lang="pt-BR"/>
           </a:p>
@@ -6633,7 +6633,7 @@
           <a:p>
             <a:fld id="{2E700DB3-DBF0-4086-B675-117E7A9610B8}" type="datetimeFigureOut">
               <a:rPr lang="pt-BR" smtClean="0"/>
-              <a:t>12/01/2023</a:t>
+              <a:t>17/01/2023</a:t>
             </a:fld>
             <a:endParaRPr lang="pt-BR"/>
           </a:p>
@@ -6854,7 +6854,7 @@
           <a:p>
             <a:fld id="{2E700DB3-DBF0-4086-B675-117E7A9610B8}" type="datetimeFigureOut">
               <a:rPr lang="pt-BR" smtClean="0"/>
-              <a:t>12/01/2023</a:t>
+              <a:t>17/01/2023</a:t>
             </a:fld>
             <a:endParaRPr lang="pt-BR"/>
           </a:p>
@@ -7113,7 +7113,7 @@
           <a:p>
             <a:fld id="{2E700DB3-DBF0-4086-B675-117E7A9610B8}" type="datetimeFigureOut">
               <a:rPr lang="pt-BR" smtClean="0"/>
-              <a:t>12/01/2023</a:t>
+              <a:t>17/01/2023</a:t>
             </a:fld>
             <a:endParaRPr lang="pt-BR"/>
           </a:p>
@@ -7517,7 +7517,7 @@
           <a:p>
             <a:fld id="{2E700DB3-DBF0-4086-B675-117E7A9610B8}" type="datetimeFigureOut">
               <a:rPr lang="pt-BR" smtClean="0"/>
-              <a:t>12/01/2023</a:t>
+              <a:t>17/01/2023</a:t>
             </a:fld>
             <a:endParaRPr lang="pt-BR"/>
           </a:p>
@@ -7648,7 +7648,7 @@
           <a:p>
             <a:fld id="{2E700DB3-DBF0-4086-B675-117E7A9610B8}" type="datetimeFigureOut">
               <a:rPr lang="pt-BR" smtClean="0"/>
-              <a:t>12/01/2023</a:t>
+              <a:t>17/01/2023</a:t>
             </a:fld>
             <a:endParaRPr lang="pt-BR"/>
           </a:p>
@@ -7748,7 +7748,7 @@
           <a:p>
             <a:fld id="{2E700DB3-DBF0-4086-B675-117E7A9610B8}" type="datetimeFigureOut">
               <a:rPr lang="pt-BR" smtClean="0"/>
-              <a:t>12/01/2023</a:t>
+              <a:t>17/01/2023</a:t>
             </a:fld>
             <a:endParaRPr lang="pt-BR"/>
           </a:p>
@@ -7993,7 +7993,7 @@
           <a:p>
             <a:fld id="{2E700DB3-DBF0-4086-B675-117E7A9610B8}" type="datetimeFigureOut">
               <a:rPr lang="pt-BR" smtClean="0"/>
-              <a:t>12/01/2023</a:t>
+              <a:t>17/01/2023</a:t>
             </a:fld>
             <a:endParaRPr lang="pt-BR"/>
           </a:p>
@@ -8237,7 +8237,7 @@
           <a:p>
             <a:fld id="{2E700DB3-DBF0-4086-B675-117E7A9610B8}" type="datetimeFigureOut">
               <a:rPr lang="pt-BR" smtClean="0"/>
-              <a:t>12/01/2023</a:t>
+              <a:t>17/01/2023</a:t>
             </a:fld>
             <a:endParaRPr lang="pt-BR"/>
           </a:p>
@@ -9061,7 +9061,7 @@
           <a:p>
             <a:fld id="{2E700DB3-DBF0-4086-B675-117E7A9610B8}" type="datetimeFigureOut">
               <a:rPr lang="pt-BR" smtClean="0"/>
-              <a:t>12/01/2023</a:t>
+              <a:t>17/01/2023</a:t>
             </a:fld>
             <a:endParaRPr lang="pt-BR"/>
           </a:p>
@@ -9481,8 +9481,12 @@
               <a:rPr lang="pt-BR" sz="4800" dirty="0"/>
             </a:br>
             <a:r>
+              <a:rPr lang="pt-BR" sz="4800"/>
+              <a:t>Dia 3 </a:t>
+            </a:r>
+            <a:r>
               <a:rPr lang="pt-BR" sz="4800" dirty="0"/>
-              <a:t>Dia 2 – </a:t>
+              <a:t>– </a:t>
             </a:r>
             <a:r>
               <a:rPr lang="pt-BR" sz="4800" dirty="0" err="1"/>
